--- a/0615-FT-HD189733/plot.pptx
+++ b/0615-FT-HD189733/plot.pptx
@@ -104,6 +104,11 @@
       </a:defRPr>
     </a:lvl9pPr>
   </p:defaultTextStyle>
+  <p:extLst>
+    <p:ext uri="{EFAFB233-063F-42B5-8137-9DF3F51BA10A}">
+      <p15:sldGuideLst xmlns:p15="http://schemas.microsoft.com/office/powerpoint/2012/main"/>
+    </p:ext>
+  </p:extLst>
 </p:presentation>
 </file>
 
@@ -254,7 +259,7 @@
           <a:p>
             <a:fld id="{ACEBBCE2-27CE-9E4D-B8F9-A7E19929279D}" type="datetimeFigureOut">
               <a:rPr lang="en-US" smtClean="0"/>
-              <a:t>9/29/18</a:t>
+              <a:t>11/21/18</a:t>
             </a:fld>
             <a:endParaRPr lang="en-US"/>
           </a:p>
@@ -452,7 +457,7 @@
           <a:p>
             <a:fld id="{ACEBBCE2-27CE-9E4D-B8F9-A7E19929279D}" type="datetimeFigureOut">
               <a:rPr lang="en-US" smtClean="0"/>
-              <a:t>9/29/18</a:t>
+              <a:t>11/21/18</a:t>
             </a:fld>
             <a:endParaRPr lang="en-US"/>
           </a:p>
@@ -660,7 +665,7 @@
           <a:p>
             <a:fld id="{ACEBBCE2-27CE-9E4D-B8F9-A7E19929279D}" type="datetimeFigureOut">
               <a:rPr lang="en-US" smtClean="0"/>
-              <a:t>9/29/18</a:t>
+              <a:t>11/21/18</a:t>
             </a:fld>
             <a:endParaRPr lang="en-US"/>
           </a:p>
@@ -858,7 +863,7 @@
           <a:p>
             <a:fld id="{ACEBBCE2-27CE-9E4D-B8F9-A7E19929279D}" type="datetimeFigureOut">
               <a:rPr lang="en-US" smtClean="0"/>
-              <a:t>9/29/18</a:t>
+              <a:t>11/21/18</a:t>
             </a:fld>
             <a:endParaRPr lang="en-US"/>
           </a:p>
@@ -1133,7 +1138,7 @@
           <a:p>
             <a:fld id="{ACEBBCE2-27CE-9E4D-B8F9-A7E19929279D}" type="datetimeFigureOut">
               <a:rPr lang="en-US" smtClean="0"/>
-              <a:t>9/29/18</a:t>
+              <a:t>11/21/18</a:t>
             </a:fld>
             <a:endParaRPr lang="en-US"/>
           </a:p>
@@ -1398,7 +1403,7 @@
           <a:p>
             <a:fld id="{ACEBBCE2-27CE-9E4D-B8F9-A7E19929279D}" type="datetimeFigureOut">
               <a:rPr lang="en-US" smtClean="0"/>
-              <a:t>9/29/18</a:t>
+              <a:t>11/21/18</a:t>
             </a:fld>
             <a:endParaRPr lang="en-US"/>
           </a:p>
@@ -1810,7 +1815,7 @@
           <a:p>
             <a:fld id="{ACEBBCE2-27CE-9E4D-B8F9-A7E19929279D}" type="datetimeFigureOut">
               <a:rPr lang="en-US" smtClean="0"/>
-              <a:t>9/29/18</a:t>
+              <a:t>11/21/18</a:t>
             </a:fld>
             <a:endParaRPr lang="en-US"/>
           </a:p>
@@ -1951,7 +1956,7 @@
           <a:p>
             <a:fld id="{ACEBBCE2-27CE-9E4D-B8F9-A7E19929279D}" type="datetimeFigureOut">
               <a:rPr lang="en-US" smtClean="0"/>
-              <a:t>9/29/18</a:t>
+              <a:t>11/21/18</a:t>
             </a:fld>
             <a:endParaRPr lang="en-US"/>
           </a:p>
@@ -2064,7 +2069,7 @@
           <a:p>
             <a:fld id="{ACEBBCE2-27CE-9E4D-B8F9-A7E19929279D}" type="datetimeFigureOut">
               <a:rPr lang="en-US" smtClean="0"/>
-              <a:t>9/29/18</a:t>
+              <a:t>11/21/18</a:t>
             </a:fld>
             <a:endParaRPr lang="en-US"/>
           </a:p>
@@ -2375,7 +2380,7 @@
           <a:p>
             <a:fld id="{ACEBBCE2-27CE-9E4D-B8F9-A7E19929279D}" type="datetimeFigureOut">
               <a:rPr lang="en-US" smtClean="0"/>
-              <a:t>9/29/18</a:t>
+              <a:t>11/21/18</a:t>
             </a:fld>
             <a:endParaRPr lang="en-US"/>
           </a:p>
@@ -2663,7 +2668,7 @@
           <a:p>
             <a:fld id="{ACEBBCE2-27CE-9E4D-B8F9-A7E19929279D}" type="datetimeFigureOut">
               <a:rPr lang="en-US" smtClean="0"/>
-              <a:t>9/29/18</a:t>
+              <a:t>11/21/18</a:t>
             </a:fld>
             <a:endParaRPr lang="en-US"/>
           </a:p>
@@ -2904,7 +2909,7 @@
           <a:p>
             <a:fld id="{ACEBBCE2-27CE-9E4D-B8F9-A7E19929279D}" type="datetimeFigureOut">
               <a:rPr lang="en-US" smtClean="0"/>
-              <a:t>9/29/18</a:t>
+              <a:t>11/21/18</a:t>
             </a:fld>
             <a:endParaRPr lang="en-US"/>
           </a:p>
@@ -3346,7 +3351,7 @@
         <p:spPr>
           <a:xfrm>
             <a:off x="-30914" y="1852555"/>
-            <a:ext cx="6265114" cy="4698836"/>
+            <a:ext cx="6265114" cy="4698835"/>
           </a:xfrm>
         </p:spPr>
       </p:pic>
@@ -3373,7 +3378,7 @@
         <p:spPr>
           <a:xfrm>
             <a:off x="6156663" y="1851854"/>
-            <a:ext cx="6266049" cy="4699537"/>
+            <a:ext cx="6266049" cy="4699536"/>
           </a:xfrm>
           <a:prstGeom prst="rect">
             <a:avLst/>
@@ -3465,8 +3470,29 @@
                   </a:rPr>
                   <a:t>RV</a:t>
                 </a:r>
+                <a:r>
+                  <a:rPr lang="en-US" sz="1400" baseline="-25000" dirty="0">
+                    <a:solidFill>
+                      <a:schemeClr val="accent6">
+                        <a:lumMod val="75000"/>
+                      </a:schemeClr>
+                    </a:solidFill>
+                  </a:rPr>
+                  <a:t>L</a:t>
+                </a:r>
                 <a14:m>
                   <m:oMath xmlns:m="http://schemas.openxmlformats.org/officeDocument/2006/math">
+                    <m:r>
+                      <a:rPr lang="en-AU" sz="1400" b="0" i="0" dirty="0" smtClean="0">
+                        <a:solidFill>
+                          <a:schemeClr val="accent6">
+                            <a:lumMod val="75000"/>
+                          </a:schemeClr>
+                        </a:solidFill>
+                        <a:latin typeface="Cambria Math" panose="02040503050406030204" pitchFamily="18" charset="0"/>
+                      </a:rPr>
+                      <m:t> </m:t>
+                    </m:r>
                     <m:r>
                       <a:rPr lang="en-US" sz="1400" i="1" dirty="0" smtClean="0">
                         <a:solidFill>
@@ -3498,7 +3524,7 @@
                       </a:schemeClr>
                     </a:solidFill>
                   </a:rPr>
-                  <a:t>FT,H</a:t>
+                  <a:t>HARPS</a:t>
                 </a:r>
                 <a:r>
                   <a:rPr lang="en-US" sz="1400" dirty="0">
@@ -3513,7 +3539,7 @@
                 <a14:m>
                   <m:oMath xmlns:m="http://schemas.openxmlformats.org/officeDocument/2006/math">
                     <m:r>
-                      <a:rPr lang="en-US" sz="1400" i="1" dirty="0" smtClean="0">
+                      <a:rPr lang="en-AU" sz="1400" b="0" i="1" smtClean="0">
                         <a:solidFill>
                           <a:schemeClr val="accent6">
                             <a:lumMod val="75000"/>
@@ -3543,15 +3569,18 @@
                       </a:schemeClr>
                     </a:solidFill>
                   </a:rPr>
-                  <a:t>Gaussian</a:t>
+                  <a:t>FT ,L</a:t>
                 </a:r>
-                <a:endParaRPr lang="en-US" sz="1400" dirty="0">
-                  <a:solidFill>
-                    <a:schemeClr val="accent6">
-                      <a:lumMod val="75000"/>
-                    </a:schemeClr>
-                  </a:solidFill>
-                </a:endParaRPr>
+                <a:r>
+                  <a:rPr lang="en-US" sz="1400" dirty="0">
+                    <a:solidFill>
+                      <a:schemeClr val="accent6">
+                        <a:lumMod val="75000"/>
+                      </a:schemeClr>
+                    </a:solidFill>
+                  </a:rPr>
+                  <a:t> </a:t>
+                </a:r>
               </a:p>
             </p:txBody>
           </p:sp>
@@ -3609,8 +3638,8 @@
           </p:sp>
         </mc:Fallback>
       </mc:AlternateContent>
-      <mc:AlternateContent xmlns:mc="http://schemas.openxmlformats.org/markup-compatibility/2006">
-        <mc:Choice xmlns:a14="http://schemas.microsoft.com/office/drawing/2010/main" Requires="a14">
+      <mc:AlternateContent xmlns:mc="http://schemas.openxmlformats.org/markup-compatibility/2006" xmlns:a14="http://schemas.microsoft.com/office/drawing/2010/main">
+        <mc:Choice Requires="a14">
           <p:sp>
             <p:nvSpPr>
               <p:cNvPr id="20" name="Striped Right Arrow 19">
@@ -3706,7 +3735,7 @@
             </p:txBody>
           </p:sp>
         </mc:Choice>
-        <mc:Fallback>
+        <mc:Fallback xmlns="">
           <p:sp>
             <p:nvSpPr>
               <p:cNvPr id="20" name="Striped Right Arrow 19">
@@ -3943,8 +3972,8 @@
           </a:p>
         </p:txBody>
       </p:sp>
-      <mc:AlternateContent xmlns:mc="http://schemas.openxmlformats.org/markup-compatibility/2006" xmlns:a14="http://schemas.microsoft.com/office/drawing/2010/main">
-        <mc:Choice Requires="a14">
+      <mc:AlternateContent xmlns:mc="http://schemas.openxmlformats.org/markup-compatibility/2006">
+        <mc:Choice xmlns:a14="http://schemas.microsoft.com/office/drawing/2010/main" Requires="a14">
           <p:sp>
             <p:nvSpPr>
               <p:cNvPr id="24" name="Striped Right Arrow 23">
@@ -3959,8 +3988,8 @@
             </p:nvSpPr>
             <p:spPr>
               <a:xfrm rot="5400000">
-                <a:off x="10591754" y="4330496"/>
-                <a:ext cx="2560320" cy="490356"/>
+                <a:off x="10712672" y="4085977"/>
+                <a:ext cx="2718014" cy="647739"/>
               </a:xfrm>
               <a:prstGeom prst="stripedRightArrow">
                 <a:avLst/>
@@ -4009,19 +4038,32 @@
                         <a:lumMod val="75000"/>
                       </a:schemeClr>
                     </a:solidFill>
+                    <a:latin typeface="Calibri" panose="020F0502020204030204" pitchFamily="34" charset="0"/>
+                    <a:cs typeface="Calibri" panose="020F0502020204030204" pitchFamily="34" charset="0"/>
                   </a:rPr>
-                  <a:t>Smoothed model </a:t>
+                  <a:t>Residual </a:t>
+                </a:r>
+                <a:r>
+                  <a:rPr lang="en-US" sz="1400">
+                    <a:solidFill>
+                      <a:schemeClr val="accent6">
+                        <a:lumMod val="75000"/>
+                      </a:schemeClr>
+                    </a:solidFill>
+                    <a:latin typeface="Calibri" panose="020F0502020204030204" pitchFamily="34" charset="0"/>
+                    <a:cs typeface="Calibri" panose="020F0502020204030204" pitchFamily="34" charset="0"/>
+                  </a:rPr>
+                  <a:t>= WMA </a:t>
                 </a:r>
                 <a14:m>
                   <m:oMath xmlns:m="http://schemas.openxmlformats.org/officeDocument/2006/math">
                     <m:r>
-                      <a:rPr lang="en-AU" sz="1400" b="0" i="1" smtClean="0">
+                      <a:rPr lang="en-AU" sz="1400" b="0" i="0" smtClean="0">
                         <a:solidFill>
                           <a:schemeClr val="accent6">
                             <a:lumMod val="75000"/>
                           </a:schemeClr>
                         </a:solidFill>
-                        <a:latin typeface="Cambria Math" panose="02040503050406030204" pitchFamily="18" charset="0"/>
                       </a:rPr>
                       <m:t>−</m:t>
                     </m:r>
@@ -4034,6 +4076,8 @@
                         <a:lumMod val="75000"/>
                       </a:schemeClr>
                     </a:solidFill>
+                    <a:latin typeface="Calibri" panose="020F0502020204030204" pitchFamily="34" charset="0"/>
+                    <a:cs typeface="Calibri" panose="020F0502020204030204" pitchFamily="34" charset="0"/>
                   </a:rPr>
                   <a:t> RM effect</a:t>
                 </a:r>
@@ -4041,7 +4085,7 @@
             </p:txBody>
           </p:sp>
         </mc:Choice>
-        <mc:Fallback xmlns="">
+        <mc:Fallback>
           <p:sp>
             <p:nvSpPr>
               <p:cNvPr id="24" name="Striped Right Arrow 23">
@@ -4058,8 +4102,8 @@
             </p:nvSpPr>
             <p:spPr>
               <a:xfrm rot="5400000">
-                <a:off x="10591754" y="4330496"/>
-                <a:ext cx="2560320" cy="490356"/>
+                <a:off x="10712672" y="4085977"/>
+                <a:ext cx="2718014" cy="647739"/>
               </a:xfrm>
               <a:prstGeom prst="stripedRightArrow">
                 <a:avLst/>

--- a/0615-FT-HD189733/plot.pptx
+++ b/0615-FT-HD189733/plot.pptx
@@ -259,7 +259,7 @@
           <a:p>
             <a:fld id="{ACEBBCE2-27CE-9E4D-B8F9-A7E19929279D}" type="datetimeFigureOut">
               <a:rPr lang="en-US" smtClean="0"/>
-              <a:t>11/21/18</a:t>
+              <a:t>2/22/19</a:t>
             </a:fld>
             <a:endParaRPr lang="en-US"/>
           </a:p>
@@ -457,7 +457,7 @@
           <a:p>
             <a:fld id="{ACEBBCE2-27CE-9E4D-B8F9-A7E19929279D}" type="datetimeFigureOut">
               <a:rPr lang="en-US" smtClean="0"/>
-              <a:t>11/21/18</a:t>
+              <a:t>2/22/19</a:t>
             </a:fld>
             <a:endParaRPr lang="en-US"/>
           </a:p>
@@ -665,7 +665,7 @@
           <a:p>
             <a:fld id="{ACEBBCE2-27CE-9E4D-B8F9-A7E19929279D}" type="datetimeFigureOut">
               <a:rPr lang="en-US" smtClean="0"/>
-              <a:t>11/21/18</a:t>
+              <a:t>2/22/19</a:t>
             </a:fld>
             <a:endParaRPr lang="en-US"/>
           </a:p>
@@ -863,7 +863,7 @@
           <a:p>
             <a:fld id="{ACEBBCE2-27CE-9E4D-B8F9-A7E19929279D}" type="datetimeFigureOut">
               <a:rPr lang="en-US" smtClean="0"/>
-              <a:t>11/21/18</a:t>
+              <a:t>2/22/19</a:t>
             </a:fld>
             <a:endParaRPr lang="en-US"/>
           </a:p>
@@ -1138,7 +1138,7 @@
           <a:p>
             <a:fld id="{ACEBBCE2-27CE-9E4D-B8F9-A7E19929279D}" type="datetimeFigureOut">
               <a:rPr lang="en-US" smtClean="0"/>
-              <a:t>11/21/18</a:t>
+              <a:t>2/22/19</a:t>
             </a:fld>
             <a:endParaRPr lang="en-US"/>
           </a:p>
@@ -1403,7 +1403,7 @@
           <a:p>
             <a:fld id="{ACEBBCE2-27CE-9E4D-B8F9-A7E19929279D}" type="datetimeFigureOut">
               <a:rPr lang="en-US" smtClean="0"/>
-              <a:t>11/21/18</a:t>
+              <a:t>2/22/19</a:t>
             </a:fld>
             <a:endParaRPr lang="en-US"/>
           </a:p>
@@ -1815,7 +1815,7 @@
           <a:p>
             <a:fld id="{ACEBBCE2-27CE-9E4D-B8F9-A7E19929279D}" type="datetimeFigureOut">
               <a:rPr lang="en-US" smtClean="0"/>
-              <a:t>11/21/18</a:t>
+              <a:t>2/22/19</a:t>
             </a:fld>
             <a:endParaRPr lang="en-US"/>
           </a:p>
@@ -1956,7 +1956,7 @@
           <a:p>
             <a:fld id="{ACEBBCE2-27CE-9E4D-B8F9-A7E19929279D}" type="datetimeFigureOut">
               <a:rPr lang="en-US" smtClean="0"/>
-              <a:t>11/21/18</a:t>
+              <a:t>2/22/19</a:t>
             </a:fld>
             <a:endParaRPr lang="en-US"/>
           </a:p>
@@ -2069,7 +2069,7 @@
           <a:p>
             <a:fld id="{ACEBBCE2-27CE-9E4D-B8F9-A7E19929279D}" type="datetimeFigureOut">
               <a:rPr lang="en-US" smtClean="0"/>
-              <a:t>11/21/18</a:t>
+              <a:t>2/22/19</a:t>
             </a:fld>
             <a:endParaRPr lang="en-US"/>
           </a:p>
@@ -2380,7 +2380,7 @@
           <a:p>
             <a:fld id="{ACEBBCE2-27CE-9E4D-B8F9-A7E19929279D}" type="datetimeFigureOut">
               <a:rPr lang="en-US" smtClean="0"/>
-              <a:t>11/21/18</a:t>
+              <a:t>2/22/19</a:t>
             </a:fld>
             <a:endParaRPr lang="en-US"/>
           </a:p>
@@ -2668,7 +2668,7 @@
           <a:p>
             <a:fld id="{ACEBBCE2-27CE-9E4D-B8F9-A7E19929279D}" type="datetimeFigureOut">
               <a:rPr lang="en-US" smtClean="0"/>
-              <a:t>11/21/18</a:t>
+              <a:t>2/22/19</a:t>
             </a:fld>
             <a:endParaRPr lang="en-US"/>
           </a:p>
@@ -2909,7 +2909,7 @@
           <a:p>
             <a:fld id="{ACEBBCE2-27CE-9E4D-B8F9-A7E19929279D}" type="datetimeFigureOut">
               <a:rPr lang="en-US" smtClean="0"/>
-              <a:t>11/21/18</a:t>
+              <a:t>2/22/19</a:t>
             </a:fld>
             <a:endParaRPr lang="en-US"/>
           </a:p>
@@ -3351,7 +3351,7 @@
         <p:spPr>
           <a:xfrm>
             <a:off x="-30914" y="1852555"/>
-            <a:ext cx="6265114" cy="4698835"/>
+            <a:ext cx="6265113" cy="4698834"/>
           </a:xfrm>
         </p:spPr>
       </p:pic>
@@ -3378,266 +3378,13 @@
         <p:spPr>
           <a:xfrm>
             <a:off x="6156663" y="1851854"/>
-            <a:ext cx="6266049" cy="4699536"/>
+            <a:ext cx="6266048" cy="4699536"/>
           </a:xfrm>
           <a:prstGeom prst="rect">
             <a:avLst/>
           </a:prstGeom>
         </p:spPr>
       </p:pic>
-      <mc:AlternateContent xmlns:mc="http://schemas.openxmlformats.org/markup-compatibility/2006">
-        <mc:Choice xmlns:a14="http://schemas.microsoft.com/office/drawing/2010/main" Requires="a14">
-          <p:sp>
-            <p:nvSpPr>
-              <p:cNvPr id="17" name="Striped Right Arrow 16">
-                <a:extLst>
-                  <a:ext uri="{FF2B5EF4-FFF2-40B4-BE49-F238E27FC236}">
-                    <a16:creationId xmlns:a16="http://schemas.microsoft.com/office/drawing/2014/main" id="{56D5B189-A721-A944-85D5-708F3BB49FC4}"/>
-                  </a:ext>
-                </a:extLst>
-              </p:cNvPr>
-              <p:cNvSpPr/>
-              <p:nvPr/>
-            </p:nvSpPr>
-            <p:spPr>
-              <a:xfrm rot="5400000">
-                <a:off x="158942" y="4070507"/>
-                <a:ext cx="2148842" cy="490356"/>
-              </a:xfrm>
-              <a:prstGeom prst="stripedRightArrow">
-                <a:avLst/>
-              </a:prstGeom>
-              <a:solidFill>
-                <a:schemeClr val="accent6">
-                  <a:lumMod val="20000"/>
-                  <a:lumOff val="80000"/>
-                  <a:alpha val="50000"/>
-                </a:schemeClr>
-              </a:solidFill>
-              <a:ln>
-                <a:solidFill>
-                  <a:schemeClr val="accent6">
-                    <a:lumMod val="40000"/>
-                    <a:lumOff val="60000"/>
-                  </a:schemeClr>
-                </a:solidFill>
-              </a:ln>
-            </p:spPr>
-            <p:style>
-              <a:lnRef idx="2">
-                <a:schemeClr val="accent1">
-                  <a:shade val="50000"/>
-                </a:schemeClr>
-              </a:lnRef>
-              <a:fillRef idx="1">
-                <a:schemeClr val="accent1"/>
-              </a:fillRef>
-              <a:effectRef idx="0">
-                <a:schemeClr val="accent1"/>
-              </a:effectRef>
-              <a:fontRef idx="minor">
-                <a:schemeClr val="lt1"/>
-              </a:fontRef>
-            </p:style>
-            <p:txBody>
-              <a:bodyPr rtlCol="0" anchor="ctr"/>
-              <a:lstStyle/>
-              <a:p>
-                <a:pPr algn="ctr"/>
-                <a14:m>
-                  <m:oMath xmlns:m="http://schemas.openxmlformats.org/officeDocument/2006/math">
-                    <m:r>
-                      <a:rPr lang="en-US" sz="1400" i="1" smtClean="0">
-                        <a:solidFill>
-                          <a:schemeClr val="accent6">
-                            <a:lumMod val="75000"/>
-                          </a:schemeClr>
-                        </a:solidFill>
-                        <a:latin typeface="Cambria Math" panose="02040503050406030204" pitchFamily="18" charset="0"/>
-                        <a:ea typeface="Cambria Math" panose="02040503050406030204" pitchFamily="18" charset="0"/>
-                      </a:rPr>
-                      <m:t>∆</m:t>
-                    </m:r>
-                  </m:oMath>
-                </a14:m>
-                <a:r>
-                  <a:rPr lang="en-US" sz="1400" dirty="0">
-                    <a:solidFill>
-                      <a:schemeClr val="accent6">
-                        <a:lumMod val="75000"/>
-                      </a:schemeClr>
-                    </a:solidFill>
-                  </a:rPr>
-                  <a:t>RV</a:t>
-                </a:r>
-                <a:r>
-                  <a:rPr lang="en-US" sz="1400" baseline="-25000" dirty="0">
-                    <a:solidFill>
-                      <a:schemeClr val="accent6">
-                        <a:lumMod val="75000"/>
-                      </a:schemeClr>
-                    </a:solidFill>
-                  </a:rPr>
-                  <a:t>L</a:t>
-                </a:r>
-                <a14:m>
-                  <m:oMath xmlns:m="http://schemas.openxmlformats.org/officeDocument/2006/math">
-                    <m:r>
-                      <a:rPr lang="en-AU" sz="1400" b="0" i="0" dirty="0" smtClean="0">
-                        <a:solidFill>
-                          <a:schemeClr val="accent6">
-                            <a:lumMod val="75000"/>
-                          </a:schemeClr>
-                        </a:solidFill>
-                        <a:latin typeface="Cambria Math" panose="02040503050406030204" pitchFamily="18" charset="0"/>
-                      </a:rPr>
-                      <m:t> </m:t>
-                    </m:r>
-                    <m:r>
-                      <a:rPr lang="en-US" sz="1400" i="1" dirty="0" smtClean="0">
-                        <a:solidFill>
-                          <a:schemeClr val="accent6">
-                            <a:lumMod val="75000"/>
-                          </a:schemeClr>
-                        </a:solidFill>
-                        <a:latin typeface="Cambria Math" panose="02040503050406030204" pitchFamily="18" charset="0"/>
-                      </a:rPr>
-                      <m:t>=</m:t>
-                    </m:r>
-                  </m:oMath>
-                </a14:m>
-                <a:r>
-                  <a:rPr lang="en-US" sz="1400" dirty="0">
-                    <a:solidFill>
-                      <a:schemeClr val="accent6">
-                        <a:lumMod val="75000"/>
-                      </a:schemeClr>
-                    </a:solidFill>
-                  </a:rPr>
-                  <a:t> RV</a:t>
-                </a:r>
-                <a:r>
-                  <a:rPr lang="en-US" sz="1400" baseline="-25000" dirty="0">
-                    <a:solidFill>
-                      <a:schemeClr val="accent6">
-                        <a:lumMod val="75000"/>
-                      </a:schemeClr>
-                    </a:solidFill>
-                  </a:rPr>
-                  <a:t>HARPS</a:t>
-                </a:r>
-                <a:r>
-                  <a:rPr lang="en-US" sz="1400" dirty="0">
-                    <a:solidFill>
-                      <a:schemeClr val="accent6">
-                        <a:lumMod val="75000"/>
-                      </a:schemeClr>
-                    </a:solidFill>
-                  </a:rPr>
-                  <a:t> </a:t>
-                </a:r>
-                <a14:m>
-                  <m:oMath xmlns:m="http://schemas.openxmlformats.org/officeDocument/2006/math">
-                    <m:r>
-                      <a:rPr lang="en-AU" sz="1400" b="0" i="1" smtClean="0">
-                        <a:solidFill>
-                          <a:schemeClr val="accent6">
-                            <a:lumMod val="75000"/>
-                          </a:schemeClr>
-                        </a:solidFill>
-                        <a:latin typeface="Cambria Math" panose="02040503050406030204" pitchFamily="18" charset="0"/>
-                      </a:rPr>
-                      <m:t>− </m:t>
-                    </m:r>
-                  </m:oMath>
-                </a14:m>
-                <a:r>
-                  <a:rPr lang="en-US" sz="1400" dirty="0">
-                    <a:solidFill>
-                      <a:schemeClr val="accent6">
-                        <a:lumMod val="75000"/>
-                      </a:schemeClr>
-                    </a:solidFill>
-                  </a:rPr>
-                  <a:t>RV</a:t>
-                </a:r>
-                <a:r>
-                  <a:rPr lang="en-US" sz="1400" baseline="-25000" dirty="0">
-                    <a:solidFill>
-                      <a:schemeClr val="accent6">
-                        <a:lumMod val="75000"/>
-                      </a:schemeClr>
-                    </a:solidFill>
-                  </a:rPr>
-                  <a:t>FT ,L</a:t>
-                </a:r>
-                <a:r>
-                  <a:rPr lang="en-US" sz="1400" dirty="0">
-                    <a:solidFill>
-                      <a:schemeClr val="accent6">
-                        <a:lumMod val="75000"/>
-                      </a:schemeClr>
-                    </a:solidFill>
-                  </a:rPr>
-                  <a:t> </a:t>
-                </a:r>
-              </a:p>
-            </p:txBody>
-          </p:sp>
-        </mc:Choice>
-        <mc:Fallback>
-          <p:sp>
-            <p:nvSpPr>
-              <p:cNvPr id="17" name="Striped Right Arrow 16">
-                <a:extLst>
-                  <a:ext uri="{FF2B5EF4-FFF2-40B4-BE49-F238E27FC236}">
-                    <a16:creationId xmlns:a16="http://schemas.microsoft.com/office/drawing/2014/main" id="{56D5B189-A721-A944-85D5-708F3BB49FC4}"/>
-                  </a:ext>
-                </a:extLst>
-              </p:cNvPr>
-              <p:cNvSpPr>
-                <a:spLocks noRot="1" noChangeAspect="1" noMove="1" noResize="1" noEditPoints="1" noAdjustHandles="1" noChangeArrowheads="1" noChangeShapeType="1" noTextEdit="1"/>
-              </p:cNvSpPr>
-              <p:nvPr/>
-            </p:nvSpPr>
-            <p:spPr>
-              <a:xfrm rot="5400000">
-                <a:off x="158942" y="4070507"/>
-                <a:ext cx="2148842" cy="490356"/>
-              </a:xfrm>
-              <a:prstGeom prst="stripedRightArrow">
-                <a:avLst/>
-              </a:prstGeom>
-              <a:blipFill>
-                <a:blip r:embed="rId4"/>
-                <a:stretch>
-                  <a:fillRect/>
-                </a:stretch>
-              </a:blipFill>
-              <a:ln>
-                <a:solidFill>
-                  <a:schemeClr val="accent6">
-                    <a:lumMod val="40000"/>
-                    <a:lumOff val="60000"/>
-                  </a:schemeClr>
-                </a:solidFill>
-              </a:ln>
-            </p:spPr>
-            <p:txBody>
-              <a:bodyPr/>
-              <a:lstStyle/>
-              <a:p>
-                <a:r>
-                  <a:rPr lang="en-US">
-                    <a:noFill/>
-                  </a:rPr>
-                  <a:t> </a:t>
-                </a:r>
-              </a:p>
-            </p:txBody>
-          </p:sp>
-        </mc:Fallback>
-      </mc:AlternateContent>
       <mc:AlternateContent xmlns:mc="http://schemas.openxmlformats.org/markup-compatibility/2006" xmlns:a14="http://schemas.microsoft.com/office/drawing/2010/main">
         <mc:Choice Requires="a14">
           <p:sp>
@@ -3653,9 +3400,9 @@
               <p:nvPr/>
             </p:nvSpPr>
             <p:spPr>
-              <a:xfrm rot="18000000">
-                <a:off x="5144151" y="4529514"/>
-                <a:ext cx="1570232" cy="477637"/>
+              <a:xfrm rot="19267853">
+                <a:off x="5097403" y="4632766"/>
+                <a:ext cx="2730469" cy="445251"/>
               </a:xfrm>
               <a:prstGeom prst="stripedRightArrow">
                 <a:avLst/>
@@ -3704,12 +3451,12 @@
                       </a:schemeClr>
                     </a:solidFill>
                   </a:rPr>
-                  <a:t>Scaled by </a:t>
+                  <a:t>Scale up</a:t>
                 </a:r>
                 <a14:m>
                   <m:oMath xmlns:m="http://schemas.openxmlformats.org/officeDocument/2006/math">
                     <m:r>
-                      <a:rPr lang="en-US" sz="1500" i="1" smtClean="0">
+                      <a:rPr lang="en-AU" sz="1500" b="0" i="1" smtClean="0">
                         <a:solidFill>
                           <a:schemeClr val="tx1">
                             <a:lumMod val="65000"/>
@@ -3719,7 +3466,7 @@
                         <a:latin typeface="Cambria Math" panose="02040503050406030204" pitchFamily="18" charset="0"/>
                         <a:ea typeface="Cambria Math" panose="02040503050406030204" pitchFamily="18" charset="0"/>
                       </a:rPr>
-                      <m:t>𝛼</m:t>
+                      <m:t>                 </m:t>
                     </m:r>
                   </m:oMath>
                 </a14:m>
@@ -3751,15 +3498,15 @@
               <p:nvPr/>
             </p:nvSpPr>
             <p:spPr>
-              <a:xfrm rot="18000000">
-                <a:off x="5144151" y="4529514"/>
-                <a:ext cx="1570232" cy="477637"/>
+              <a:xfrm rot="19267853">
+                <a:off x="5097403" y="4632766"/>
+                <a:ext cx="2730469" cy="445251"/>
               </a:xfrm>
               <a:prstGeom prst="stripedRightArrow">
                 <a:avLst/>
               </a:prstGeom>
               <a:blipFill>
-                <a:blip r:embed="rId5"/>
+                <a:blip r:embed="rId4"/>
                 <a:stretch>
                   <a:fillRect/>
                 </a:stretch>
@@ -3801,8 +3548,8 @@
         </p:nvSpPr>
         <p:spPr>
           <a:xfrm>
-            <a:off x="4272763" y="3056598"/>
-            <a:ext cx="2114247" cy="510415"/>
+            <a:off x="3433543" y="3056598"/>
+            <a:ext cx="5098838" cy="510415"/>
           </a:xfrm>
           <a:prstGeom prst="stripedRightArrow">
             <a:avLst/>
@@ -3843,14 +3590,13 @@
           <a:bodyPr rtlCol="0" anchor="ctr"/>
           <a:lstStyle/>
           <a:p>
-            <a:pPr algn="ctr"/>
             <a:r>
               <a:rPr lang="en-US" sz="1500" dirty="0">
                 <a:solidFill>
                   <a:schemeClr val="accent1"/>
                 </a:solidFill>
               </a:rPr>
-              <a:t>Linear trend removed</a:t>
+              <a:t>                      Linear trend removed</a:t>
             </a:r>
           </a:p>
         </p:txBody>
@@ -3972,172 +3718,6 @@
           </a:p>
         </p:txBody>
       </p:sp>
-      <mc:AlternateContent xmlns:mc="http://schemas.openxmlformats.org/markup-compatibility/2006">
-        <mc:Choice xmlns:a14="http://schemas.microsoft.com/office/drawing/2010/main" Requires="a14">
-          <p:sp>
-            <p:nvSpPr>
-              <p:cNvPr id="24" name="Striped Right Arrow 23">
-                <a:extLst>
-                  <a:ext uri="{FF2B5EF4-FFF2-40B4-BE49-F238E27FC236}">
-                    <a16:creationId xmlns:a16="http://schemas.microsoft.com/office/drawing/2014/main" id="{BA2B2AF6-DEEE-9C4D-B39B-6AA7591F53EE}"/>
-                  </a:ext>
-                </a:extLst>
-              </p:cNvPr>
-              <p:cNvSpPr/>
-              <p:nvPr/>
-            </p:nvSpPr>
-            <p:spPr>
-              <a:xfrm rot="5400000">
-                <a:off x="10712672" y="4085977"/>
-                <a:ext cx="2718014" cy="647739"/>
-              </a:xfrm>
-              <a:prstGeom prst="stripedRightArrow">
-                <a:avLst/>
-              </a:prstGeom>
-              <a:solidFill>
-                <a:schemeClr val="accent6">
-                  <a:lumMod val="20000"/>
-                  <a:lumOff val="80000"/>
-                  <a:alpha val="50000"/>
-                </a:schemeClr>
-              </a:solidFill>
-              <a:ln>
-                <a:solidFill>
-                  <a:schemeClr val="accent6">
-                    <a:lumMod val="40000"/>
-                    <a:lumOff val="60000"/>
-                  </a:schemeClr>
-                </a:solidFill>
-              </a:ln>
-            </p:spPr>
-            <p:style>
-              <a:lnRef idx="2">
-                <a:schemeClr val="accent1">
-                  <a:shade val="50000"/>
-                </a:schemeClr>
-              </a:lnRef>
-              <a:fillRef idx="1">
-                <a:schemeClr val="accent1"/>
-              </a:fillRef>
-              <a:effectRef idx="0">
-                <a:schemeClr val="accent1"/>
-              </a:effectRef>
-              <a:fontRef idx="minor">
-                <a:schemeClr val="lt1"/>
-              </a:fontRef>
-            </p:style>
-            <p:txBody>
-              <a:bodyPr rtlCol="0" anchor="ctr"/>
-              <a:lstStyle/>
-              <a:p>
-                <a:pPr algn="ctr"/>
-                <a:r>
-                  <a:rPr lang="en-US" sz="1400" dirty="0">
-                    <a:solidFill>
-                      <a:schemeClr val="accent6">
-                        <a:lumMod val="75000"/>
-                      </a:schemeClr>
-                    </a:solidFill>
-                    <a:latin typeface="Calibri" panose="020F0502020204030204" pitchFamily="34" charset="0"/>
-                    <a:cs typeface="Calibri" panose="020F0502020204030204" pitchFamily="34" charset="0"/>
-                  </a:rPr>
-                  <a:t>Residual </a:t>
-                </a:r>
-                <a:r>
-                  <a:rPr lang="en-US" sz="1400">
-                    <a:solidFill>
-                      <a:schemeClr val="accent6">
-                        <a:lumMod val="75000"/>
-                      </a:schemeClr>
-                    </a:solidFill>
-                    <a:latin typeface="Calibri" panose="020F0502020204030204" pitchFamily="34" charset="0"/>
-                    <a:cs typeface="Calibri" panose="020F0502020204030204" pitchFamily="34" charset="0"/>
-                  </a:rPr>
-                  <a:t>= WMA </a:t>
-                </a:r>
-                <a14:m>
-                  <m:oMath xmlns:m="http://schemas.openxmlformats.org/officeDocument/2006/math">
-                    <m:r>
-                      <a:rPr lang="en-AU" sz="1400" b="0" i="0" smtClean="0">
-                        <a:solidFill>
-                          <a:schemeClr val="accent6">
-                            <a:lumMod val="75000"/>
-                          </a:schemeClr>
-                        </a:solidFill>
-                      </a:rPr>
-                      <m:t>−</m:t>
-                    </m:r>
-                  </m:oMath>
-                </a14:m>
-                <a:r>
-                  <a:rPr lang="en-US" sz="1400" dirty="0">
-                    <a:solidFill>
-                      <a:schemeClr val="accent6">
-                        <a:lumMod val="75000"/>
-                      </a:schemeClr>
-                    </a:solidFill>
-                    <a:latin typeface="Calibri" panose="020F0502020204030204" pitchFamily="34" charset="0"/>
-                    <a:cs typeface="Calibri" panose="020F0502020204030204" pitchFamily="34" charset="0"/>
-                  </a:rPr>
-                  <a:t> RM effect</a:t>
-                </a:r>
-              </a:p>
-            </p:txBody>
-          </p:sp>
-        </mc:Choice>
-        <mc:Fallback>
-          <p:sp>
-            <p:nvSpPr>
-              <p:cNvPr id="24" name="Striped Right Arrow 23">
-                <a:extLst>
-                  <a:ext uri="{FF2B5EF4-FFF2-40B4-BE49-F238E27FC236}">
-                    <a16:creationId xmlns:a16="http://schemas.microsoft.com/office/drawing/2014/main" id="{BA2B2AF6-DEEE-9C4D-B39B-6AA7591F53EE}"/>
-                  </a:ext>
-                </a:extLst>
-              </p:cNvPr>
-              <p:cNvSpPr>
-                <a:spLocks noRot="1" noChangeAspect="1" noMove="1" noResize="1" noEditPoints="1" noAdjustHandles="1" noChangeArrowheads="1" noChangeShapeType="1" noTextEdit="1"/>
-              </p:cNvSpPr>
-              <p:nvPr/>
-            </p:nvSpPr>
-            <p:spPr>
-              <a:xfrm rot="5400000">
-                <a:off x="10712672" y="4085977"/>
-                <a:ext cx="2718014" cy="647739"/>
-              </a:xfrm>
-              <a:prstGeom prst="stripedRightArrow">
-                <a:avLst/>
-              </a:prstGeom>
-              <a:blipFill>
-                <a:blip r:embed="rId6"/>
-                <a:stretch>
-                  <a:fillRect/>
-                </a:stretch>
-              </a:blipFill>
-              <a:ln>
-                <a:solidFill>
-                  <a:schemeClr val="accent6">
-                    <a:lumMod val="40000"/>
-                    <a:lumOff val="60000"/>
-                  </a:schemeClr>
-                </a:solidFill>
-              </a:ln>
-            </p:spPr>
-            <p:txBody>
-              <a:bodyPr/>
-              <a:lstStyle/>
-              <a:p>
-                <a:r>
-                  <a:rPr lang="en-US">
-                    <a:noFill/>
-                  </a:rPr>
-                  <a:t> </a:t>
-                </a:r>
-              </a:p>
-            </p:txBody>
-          </p:sp>
-        </mc:Fallback>
-      </mc:AlternateContent>
     </p:spTree>
     <p:extLst>
       <p:ext uri="{BB962C8B-B14F-4D97-AF65-F5344CB8AC3E}">
@@ -4227,7 +3807,7 @@
                                           </p:stCondLst>
                                         </p:cTn>
                                         <p:tgtEl>
-                                          <p:spTgt spid="17"/>
+                                          <p:spTgt spid="21"/>
                                         </p:tgtEl>
                                         <p:attrNameLst>
                                           <p:attrName>style.visibility</p:attrName>
@@ -4259,7 +3839,7 @@
                             </p:stCondLst>
                             <p:childTnLst>
                               <p:par>
-                                <p:cTn id="13" presetID="1" presetClass="entr" presetSubtype="0" fill="hold" grpId="0" nodeType="clickEffect">
+                                <p:cTn id="13" presetID="1" presetClass="entr" presetSubtype="0" fill="hold" nodeType="clickEffect">
                                   <p:stCondLst>
                                     <p:cond delay="0"/>
                                   </p:stCondLst>
@@ -4267,51 +3847,6 @@
                                     <p:set>
                                       <p:cBhvr>
                                         <p:cTn id="14" dur="1" fill="hold">
-                                          <p:stCondLst>
-                                            <p:cond delay="0"/>
-                                          </p:stCondLst>
-                                        </p:cTn>
-                                        <p:tgtEl>
-                                          <p:spTgt spid="21"/>
-                                        </p:tgtEl>
-                                        <p:attrNameLst>
-                                          <p:attrName>style.visibility</p:attrName>
-                                        </p:attrNameLst>
-                                      </p:cBhvr>
-                                      <p:to>
-                                        <p:strVal val="visible"/>
-                                      </p:to>
-                                    </p:set>
-                                  </p:childTnLst>
-                                </p:cTn>
-                              </p:par>
-                            </p:childTnLst>
-                          </p:cTn>
-                        </p:par>
-                      </p:childTnLst>
-                    </p:cTn>
-                  </p:par>
-                  <p:par>
-                    <p:cTn id="15" fill="hold">
-                      <p:stCondLst>
-                        <p:cond delay="indefinite"/>
-                      </p:stCondLst>
-                      <p:childTnLst>
-                        <p:par>
-                          <p:cTn id="16" fill="hold">
-                            <p:stCondLst>
-                              <p:cond delay="0"/>
-                            </p:stCondLst>
-                            <p:childTnLst>
-                              <p:par>
-                                <p:cTn id="17" presetID="1" presetClass="entr" presetSubtype="0" fill="hold" nodeType="clickEffect">
-                                  <p:stCondLst>
-                                    <p:cond delay="0"/>
-                                  </p:stCondLst>
-                                  <p:childTnLst>
-                                    <p:set>
-                                      <p:cBhvr>
-                                        <p:cTn id="18" dur="1" fill="hold">
                                           <p:stCondLst>
                                             <p:cond delay="0"/>
                                           </p:stCondLst>
@@ -4331,65 +3866,20 @@
                                 </p:cTn>
                               </p:par>
                               <p:par>
-                                <p:cTn id="19" presetID="1" presetClass="entr" presetSubtype="0" fill="hold" grpId="0" nodeType="withEffect">
+                                <p:cTn id="15" presetID="1" presetClass="entr" presetSubtype="0" fill="hold" grpId="0" nodeType="withEffect">
                                   <p:stCondLst>
                                     <p:cond delay="0"/>
                                   </p:stCondLst>
                                   <p:childTnLst>
                                     <p:set>
                                       <p:cBhvr>
-                                        <p:cTn id="20" dur="1" fill="hold">
+                                        <p:cTn id="16" dur="1" fill="hold">
                                           <p:stCondLst>
                                             <p:cond delay="0"/>
                                           </p:stCondLst>
                                         </p:cTn>
                                         <p:tgtEl>
                                           <p:spTgt spid="20"/>
-                                        </p:tgtEl>
-                                        <p:attrNameLst>
-                                          <p:attrName>style.visibility</p:attrName>
-                                        </p:attrNameLst>
-                                      </p:cBhvr>
-                                      <p:to>
-                                        <p:strVal val="visible"/>
-                                      </p:to>
-                                    </p:set>
-                                  </p:childTnLst>
-                                </p:cTn>
-                              </p:par>
-                            </p:childTnLst>
-                          </p:cTn>
-                        </p:par>
-                      </p:childTnLst>
-                    </p:cTn>
-                  </p:par>
-                  <p:par>
-                    <p:cTn id="21" fill="hold">
-                      <p:stCondLst>
-                        <p:cond delay="indefinite"/>
-                      </p:stCondLst>
-                      <p:childTnLst>
-                        <p:par>
-                          <p:cTn id="22" fill="hold">
-                            <p:stCondLst>
-                              <p:cond delay="0"/>
-                            </p:stCondLst>
-                            <p:childTnLst>
-                              <p:par>
-                                <p:cTn id="23" presetID="1" presetClass="entr" presetSubtype="0" fill="hold" grpId="0" nodeType="clickEffect">
-                                  <p:stCondLst>
-                                    <p:cond delay="0"/>
-                                  </p:stCondLst>
-                                  <p:childTnLst>
-                                    <p:set>
-                                      <p:cBhvr>
-                                        <p:cTn id="24" dur="1" fill="hold">
-                                          <p:stCondLst>
-                                            <p:cond delay="0"/>
-                                          </p:stCondLst>
-                                        </p:cTn>
-                                        <p:tgtEl>
-                                          <p:spTgt spid="24"/>
                                         </p:tgtEl>
                                         <p:attrNameLst>
                                           <p:attrName>style.visibility</p:attrName>
@@ -4430,10 +3920,8 @@
       </p:par>
     </p:tnLst>
     <p:bldLst>
-      <p:bldP spid="17" grpId="0" animBg="1"/>
       <p:bldP spid="20" grpId="0" animBg="1"/>
       <p:bldP spid="21" grpId="0" animBg="1"/>
-      <p:bldP spid="24" grpId="0" animBg="1"/>
     </p:bldLst>
   </p:timing>
 </p:sld>
